--- a/lezioni/deformazione.pptx
+++ b/lezioni/deformazione.pptx
@@ -7,6 +7,9 @@
   <p:sldIdLst>
     <p:sldId id="256" r:id="rId2"/>
     <p:sldId id="257" r:id="rId3"/>
+    <p:sldId id="258" r:id="rId4"/>
+    <p:sldId id="259" r:id="rId5"/>
+    <p:sldId id="260" r:id="rId6"/>
   </p:sldIdLst>
   <p:sldSz cx="12192000" cy="6858000"/>
   <p:notesSz cx="6858000" cy="9144000"/>
@@ -105,6 +108,11 @@
       </a:defRPr>
     </a:lvl9pPr>
   </p:defaultTextStyle>
+  <p:extLst>
+    <p:ext uri="{EFAFB233-063F-42B5-8137-9DF3F51BA10A}">
+      <p15:sldGuideLst xmlns:p15="http://schemas.microsoft.com/office/powerpoint/2012/main"/>
+    </p:ext>
+  </p:extLst>
 </p:presentation>
 </file>
 
@@ -3366,7 +3374,7 @@
           <a:p>
             <a:r>
               <a:rPr lang="en-IT" dirty="0"/>
-              <a:t>Deformazione</a:t>
+              <a:t>Deformazione: nozioni di base</a:t>
             </a:r>
           </a:p>
         </p:txBody>
@@ -3395,6 +3403,12 @@
             <a:r>
               <a:rPr lang="en-IT" dirty="0"/>
               <a:t>Riferimento: Casini &amp; Vasta cap. 13 e Hibbeler cap. 2</a:t>
+            </a:r>
+          </a:p>
+          <a:p>
+            <a:r>
+              <a:rPr lang="en-IT" dirty="0"/>
+              <a:t>Esercizi:</a:t>
             </a:r>
           </a:p>
         </p:txBody>
@@ -3445,60 +3459,97 @@
             <p:ph type="title"/>
           </p:nvPr>
         </p:nvSpPr>
-        <p:spPr/>
-        <p:txBody>
-          <a:bodyPr/>
-          <a:lstStyle/>
-          <a:p>
-            <a:r>
-              <a:rPr lang="en-GB" b="1" i="0" u="none" strike="noStrike" dirty="0" err="1">
-                <a:solidFill>
-                  <a:srgbClr val="357B7B"/>
-                </a:solidFill>
-                <a:effectLst/>
-                <a:latin typeface="freight-text-pro"/>
-              </a:rPr>
-              <a:t>Processo</a:t>
-            </a:r>
-            <a:r>
-              <a:rPr lang="en-GB" b="1" i="0" u="none" strike="noStrike" dirty="0">
-                <a:solidFill>
-                  <a:srgbClr val="357B7B"/>
-                </a:solidFill>
-                <a:effectLst/>
-                <a:latin typeface="freight-text-pro"/>
-              </a:rPr>
-              <a:t> </a:t>
-            </a:r>
-            <a:r>
-              <a:rPr lang="en-GB" b="1" i="0" u="none" strike="noStrike" dirty="0" err="1">
-                <a:solidFill>
-                  <a:srgbClr val="357B7B"/>
-                </a:solidFill>
-                <a:effectLst/>
-                <a:latin typeface="freight-text-pro"/>
-              </a:rPr>
-              <a:t>deformativo</a:t>
-            </a:r>
-            <a:br>
-              <a:rPr lang="en-GB" b="1" i="0" u="none" strike="noStrike" dirty="0">
-                <a:solidFill>
-                  <a:srgbClr val="357B7B"/>
-                </a:solidFill>
-                <a:effectLst/>
-                <a:latin typeface="freight-text-pro"/>
-              </a:rPr>
-            </a:br>
-            <a:endParaRPr lang="en-IT" dirty="0"/>
+        <p:spPr>
+          <a:xfrm>
+            <a:off x="241852" y="-256162"/>
+            <a:ext cx="10515600" cy="1325563"/>
+          </a:xfrm>
+        </p:spPr>
+        <p:txBody>
+          <a:bodyPr/>
+          <a:lstStyle/>
+          <a:p>
+            <a:r>
+              <a:rPr lang="en-IT" dirty="0"/>
+              <a:t>Dilatazione</a:t>
+            </a:r>
           </a:p>
         </p:txBody>
       </p:sp>
       <p:pic>
         <p:nvPicPr>
-          <p:cNvPr id="6" name="Picture 5">
-            <a:extLst>
-              <a:ext uri="{FF2B5EF4-FFF2-40B4-BE49-F238E27FC236}">
-                <a16:creationId xmlns:a16="http://schemas.microsoft.com/office/drawing/2014/main" id="{5632E716-285D-94DD-BB70-3C31EAA45523}"/>
+          <p:cNvPr id="12" name="Picture 11" descr="\documentclass{article}&#10;\usepackage{amsmath,bbm,mathrsfs}&#10;\setlength\parindent{0em}&#10;\usepackage{geometry}&#10;\geometry{textwidth=10cm}&#10;\setlength\parskip{1em}&#10;\pagestyle{empty}&#10;\begin{document}&#10;&#10;&#10;&#10;Se un carico assiale \( P \) viene applicato alla barra nella Fig. 2-1, cambierà la lunghezza \( L_0 \) della barra in una lunghezza \( L \). &#10;&#10;Definiremo la dilatazione media \( \epsilon \) (epsilon) della barra come il cambiamento nella sua lunghezza \( \delta \) (delta \( = L - L_0 \)) diviso per la sua lunghezza originale, ovvero&#10;\[&#10;\epsilon_{\text{avg}} = \frac{L - L_0}{L_0}&#10;\]&#10;La dilatazione in un punto di un corpo di forma arbitraria è definita in modo simile. &#10;&#10;Consideriamo segmento infinitesimo \( \Delta s \). Dopo la deformazione diventa \( \Delta s' \), e quindi il cambiamento nella sua lunghezza è \( \Delta s' - \Delta s \). Man mano che \( \Delta s \rightarrow 0 \), al limite la deformazione normale nel punto è quindi&#10;&#10;&#10;\end{document}" title="IguanaTex Bitmap Display">
+            <a:extLst>
+              <a:ext uri="{FF2B5EF4-FFF2-40B4-BE49-F238E27FC236}">
+                <a16:creationId xmlns:a16="http://schemas.microsoft.com/office/drawing/2014/main" id="{483003E0-D40C-4C75-FC16-B8FB7B0F3B99}"/>
+              </a:ext>
+            </a:extLst>
+          </p:cNvPr>
+          <p:cNvPicPr>
+            <a:picLocks noChangeAspect="1"/>
+          </p:cNvPicPr>
+          <p:nvPr>
+            <p:custDataLst>
+              <p:tags r:id="rId1"/>
+            </p:custDataLst>
+          </p:nvPr>
+        </p:nvPicPr>
+        <p:blipFill>
+          <a:blip r:embed="rId4"/>
+          <a:stretch>
+            <a:fillRect/>
+          </a:stretch>
+        </p:blipFill>
+        <p:spPr>
+          <a:xfrm>
+            <a:off x="5770217" y="315428"/>
+            <a:ext cx="5828748" cy="3892698"/>
+          </a:xfrm>
+          <a:prstGeom prst="rect">
+            <a:avLst/>
+          </a:prstGeom>
+        </p:spPr>
+      </p:pic>
+      <p:pic>
+        <p:nvPicPr>
+          <p:cNvPr id="9" name="Picture 8" descr="\documentclass{article}&#10;\usepackage{amsmath,bbm,mathrsfs}&#10;\setlength\parindent{0em}&#10;\usepackage{geometry}&#10;\geometry{textwidth=10cm}&#10;\setlength\parskip{1em}&#10;\pagestyle{empty}&#10;\begin{document}&#10;&#10;&#10;$$&#10;\epsilon=\lim_{{\Delta s \rightarrow 0}} \frac{{\Delta s' - \Delta s}}{\Delta s}&#10;$$&#10;In entrambi i casi, \( \epsilon \) (o \( \epsilon_{\text{media}} \)) rappresenta un cambiamento di lunghezza per unità di lunghezza. È positivo quando la linea iniziale si allunga e negativo quando la linea si contrae.&#10;&#10;\end{document}" title="IguanaTex Bitmap Display">
+            <a:extLst>
+              <a:ext uri="{FF2B5EF4-FFF2-40B4-BE49-F238E27FC236}">
+                <a16:creationId xmlns:a16="http://schemas.microsoft.com/office/drawing/2014/main" id="{98A88F24-BD19-3DE7-F98D-547A448548C3}"/>
+              </a:ext>
+            </a:extLst>
+          </p:cNvPr>
+          <p:cNvPicPr>
+            <a:picLocks noChangeAspect="1"/>
+          </p:cNvPicPr>
+          <p:nvPr>
+            <p:custDataLst>
+              <p:tags r:id="rId2"/>
+            </p:custDataLst>
+          </p:nvPr>
+        </p:nvPicPr>
+        <p:blipFill>
+          <a:blip r:embed="rId5"/>
+          <a:stretch>
+            <a:fillRect/>
+          </a:stretch>
+        </p:blipFill>
+        <p:spPr>
+          <a:xfrm>
+            <a:off x="5765799" y="4392402"/>
+            <a:ext cx="5828748" cy="1276970"/>
+          </a:xfrm>
+          <a:prstGeom prst="rect">
+            <a:avLst/>
+          </a:prstGeom>
+        </p:spPr>
+      </p:pic>
+      <p:pic>
+        <p:nvPicPr>
+          <p:cNvPr id="10" name="Picture 9">
+            <a:extLst>
+              <a:ext uri="{FF2B5EF4-FFF2-40B4-BE49-F238E27FC236}">
+                <a16:creationId xmlns:a16="http://schemas.microsoft.com/office/drawing/2014/main" id="{DA57AE4B-8468-1C51-CDA0-105CD2970BC3}"/>
               </a:ext>
             </a:extLst>
           </p:cNvPr>
@@ -3508,15 +3559,45 @@
           <p:nvPr/>
         </p:nvPicPr>
         <p:blipFill>
-          <a:blip r:embed="rId2"/>
+          <a:blip r:embed="rId6"/>
           <a:stretch>
             <a:fillRect/>
           </a:stretch>
         </p:blipFill>
         <p:spPr>
           <a:xfrm>
-            <a:off x="569843" y="1560443"/>
-            <a:ext cx="4899991" cy="3314700"/>
+            <a:off x="151847" y="1253676"/>
+            <a:ext cx="4610100" cy="2032000"/>
+          </a:xfrm>
+          <a:prstGeom prst="rect">
+            <a:avLst/>
+          </a:prstGeom>
+        </p:spPr>
+      </p:pic>
+      <p:pic>
+        <p:nvPicPr>
+          <p:cNvPr id="13" name="Picture 12">
+            <a:extLst>
+              <a:ext uri="{FF2B5EF4-FFF2-40B4-BE49-F238E27FC236}">
+                <a16:creationId xmlns:a16="http://schemas.microsoft.com/office/drawing/2014/main" id="{4F37B8E0-5B3D-22BE-80F7-E7E3E4C08724}"/>
+              </a:ext>
+            </a:extLst>
+          </p:cNvPr>
+          <p:cNvPicPr>
+            <a:picLocks noChangeAspect="1"/>
+          </p:cNvPicPr>
+          <p:nvPr/>
+        </p:nvPicPr>
+        <p:blipFill>
+          <a:blip r:embed="rId7"/>
+          <a:stretch>
+            <a:fillRect/>
+          </a:stretch>
+        </p:blipFill>
+        <p:spPr>
+          <a:xfrm>
+            <a:off x="424897" y="3379887"/>
+            <a:ext cx="4064000" cy="3302000"/>
           </a:xfrm>
           <a:prstGeom prst="rect">
             <a:avLst/>
@@ -3534,6 +3615,549 @@
     <a:masterClrMapping/>
   </p:clrMapOvr>
 </p:sld>
+</file>
+
+<file path=ppt/slides/slide3.xml><?xml version="1.0" encoding="utf-8"?>
+<p:sld xmlns:a="http://schemas.openxmlformats.org/drawingml/2006/main" xmlns:r="http://schemas.openxmlformats.org/officeDocument/2006/relationships" xmlns:p="http://schemas.openxmlformats.org/presentationml/2006/main">
+  <p:cSld>
+    <p:spTree>
+      <p:nvGrpSpPr>
+        <p:cNvPr id="1" name=""/>
+        <p:cNvGrpSpPr/>
+        <p:nvPr/>
+      </p:nvGrpSpPr>
+      <p:grpSpPr>
+        <a:xfrm>
+          <a:off x="0" y="0"/>
+          <a:ext cx="0" cy="0"/>
+          <a:chOff x="0" y="0"/>
+          <a:chExt cx="0" cy="0"/>
+        </a:xfrm>
+      </p:grpSpPr>
+      <p:sp>
+        <p:nvSpPr>
+          <p:cNvPr id="2" name="Title 1">
+            <a:extLst>
+              <a:ext uri="{FF2B5EF4-FFF2-40B4-BE49-F238E27FC236}">
+                <a16:creationId xmlns:a16="http://schemas.microsoft.com/office/drawing/2014/main" id="{B05A3A21-BBC8-0741-685A-68908E11A6EF}"/>
+              </a:ext>
+            </a:extLst>
+          </p:cNvPr>
+          <p:cNvSpPr>
+            <a:spLocks noGrp="1"/>
+          </p:cNvSpPr>
+          <p:nvPr>
+            <p:ph type="title"/>
+          </p:nvPr>
+        </p:nvSpPr>
+        <p:spPr>
+          <a:xfrm>
+            <a:off x="0" y="-380309"/>
+            <a:ext cx="10515600" cy="1325563"/>
+          </a:xfrm>
+        </p:spPr>
+        <p:txBody>
+          <a:bodyPr/>
+          <a:lstStyle/>
+          <a:p>
+            <a:r>
+              <a:rPr lang="en-IT" dirty="0"/>
+              <a:t>Scorrimento</a:t>
+            </a:r>
+          </a:p>
+        </p:txBody>
+      </p:sp>
+      <p:pic>
+        <p:nvPicPr>
+          <p:cNvPr id="15" name="Picture 14" descr="\documentclass{article}&#10;\usepackage{amsmath,bbm,mathrsfs}&#10;\setlength\parindent{0em}&#10;\usepackage{geometry}&#10;\geometry{textwidth=15cm}&#10;\setlength\parskip{1em}&#10;\pagestyle{empty}&#10;\begin{document}&#10;&#10;&#10;Ad esempio, considerando i due segmenti materiali inizialmente perpendicolari in un punto nel blocco mostrato nella Fig. 2-3a, se un carico applicato provoca la deformazione del blocco come mostrato nella Fig. 2-3b, in modo che l'angolo tra i segmenti di linea diventi \( \theta \), allora lo scorrimento in quel punto diventa&#10;\[&#10;\gamma = \frac{\pi}{2} - \theta&#10;\]&#10;Si noti che se \( \theta \) è minore di \( \frac{\pi}{2} \), Fig. 2-3c, allora lo scorrimento è positivo, mentre se \( \theta \) è maggiore di \( \frac{\pi}{2} \), allora lo scorrimento e è negativo.&#10;&#10;&#10;\end{document}" title="IguanaTex Bitmap Display">
+            <a:extLst>
+              <a:ext uri="{FF2B5EF4-FFF2-40B4-BE49-F238E27FC236}">
+                <a16:creationId xmlns:a16="http://schemas.microsoft.com/office/drawing/2014/main" id="{EB211828-D7FA-855A-B724-35F47FF88978}"/>
+              </a:ext>
+            </a:extLst>
+          </p:cNvPr>
+          <p:cNvPicPr>
+            <a:picLocks noChangeAspect="1"/>
+          </p:cNvPicPr>
+          <p:nvPr>
+            <p:custDataLst>
+              <p:tags r:id="rId1"/>
+            </p:custDataLst>
+          </p:nvPr>
+        </p:nvPicPr>
+        <p:blipFill>
+          <a:blip r:embed="rId4"/>
+          <a:stretch>
+            <a:fillRect/>
+          </a:stretch>
+        </p:blipFill>
+        <p:spPr>
+          <a:xfrm>
+            <a:off x="476150" y="3807142"/>
+            <a:ext cx="8925340" cy="1953074"/>
+          </a:xfrm>
+          <a:prstGeom prst="rect">
+            <a:avLst/>
+          </a:prstGeom>
+        </p:spPr>
+      </p:pic>
+      <p:pic>
+        <p:nvPicPr>
+          <p:cNvPr id="8" name="Picture 7">
+            <a:extLst>
+              <a:ext uri="{FF2B5EF4-FFF2-40B4-BE49-F238E27FC236}">
+                <a16:creationId xmlns:a16="http://schemas.microsoft.com/office/drawing/2014/main" id="{D4A21BB3-96C2-961F-BD5B-2EB43E70D53D}"/>
+              </a:ext>
+            </a:extLst>
+          </p:cNvPr>
+          <p:cNvPicPr>
+            <a:picLocks noChangeAspect="1"/>
+          </p:cNvPicPr>
+          <p:nvPr/>
+        </p:nvPicPr>
+        <p:blipFill>
+          <a:blip r:embed="rId5"/>
+          <a:stretch>
+            <a:fillRect/>
+          </a:stretch>
+        </p:blipFill>
+        <p:spPr>
+          <a:xfrm>
+            <a:off x="5083138" y="133243"/>
+            <a:ext cx="7063052" cy="3106914"/>
+          </a:xfrm>
+          <a:prstGeom prst="rect">
+            <a:avLst/>
+          </a:prstGeom>
+        </p:spPr>
+      </p:pic>
+      <p:pic>
+        <p:nvPicPr>
+          <p:cNvPr id="19" name="Picture 18" descr="\documentclass{article}&#10;\usepackage{amsmath,bbm,mathrsfs}&#10;\setlength\parindent{0em}&#10;\usepackage{geometry}&#10;\geometry{textwidth=10cm}&#10;\setlength\parskip{1em}&#10;\pagestyle{empty}&#10;\begin{document}&#10;&#10;Le deformazioni non solo causano l'allungamento o la contrazione di segmenti materiali, ma ne modificano anche la direzione relativa. &#10;&#10;Se selezioniamo due segmenti di linea inizialmente perpendicolari tra loro, allora il cambiamento dell'angolo che si verifica tra di essi è definito come scorrimento. &#10;&#10;Questo angolo è denotato da \( \gamma \) (gamma) ed è sempre misurato in radianti (rad), che sono adimensionali. &#10;&#10;&#10;\end{document}" title="IguanaTex Bitmap Display">
+            <a:extLst>
+              <a:ext uri="{FF2B5EF4-FFF2-40B4-BE49-F238E27FC236}">
+                <a16:creationId xmlns:a16="http://schemas.microsoft.com/office/drawing/2014/main" id="{89F91008-4ACE-6557-79D1-7BCB61453E64}"/>
+              </a:ext>
+            </a:extLst>
+          </p:cNvPr>
+          <p:cNvPicPr>
+            <a:picLocks noChangeAspect="1"/>
+          </p:cNvPicPr>
+          <p:nvPr>
+            <p:custDataLst>
+              <p:tags r:id="rId2"/>
+            </p:custDataLst>
+          </p:nvPr>
+        </p:nvPicPr>
+        <p:blipFill>
+          <a:blip r:embed="rId6"/>
+          <a:stretch>
+            <a:fillRect/>
+          </a:stretch>
+        </p:blipFill>
+        <p:spPr>
+          <a:xfrm>
+            <a:off x="476150" y="945254"/>
+            <a:ext cx="4606989" cy="1839539"/>
+          </a:xfrm>
+          <a:prstGeom prst="rect">
+            <a:avLst/>
+          </a:prstGeom>
+        </p:spPr>
+      </p:pic>
+    </p:spTree>
+    <p:extLst>
+      <p:ext uri="{BB962C8B-B14F-4D97-AF65-F5344CB8AC3E}">
+        <p14:creationId xmlns:p14="http://schemas.microsoft.com/office/powerpoint/2010/main" val="1434100412"/>
+      </p:ext>
+    </p:extLst>
+  </p:cSld>
+  <p:clrMapOvr>
+    <a:masterClrMapping/>
+  </p:clrMapOvr>
+</p:sld>
+</file>
+
+<file path=ppt/slides/slide4.xml><?xml version="1.0" encoding="utf-8"?>
+<p:sld xmlns:a="http://schemas.openxmlformats.org/drawingml/2006/main" xmlns:r="http://schemas.openxmlformats.org/officeDocument/2006/relationships" xmlns:p="http://schemas.openxmlformats.org/presentationml/2006/main">
+  <p:cSld>
+    <p:spTree>
+      <p:nvGrpSpPr>
+        <p:cNvPr id="1" name=""/>
+        <p:cNvGrpSpPr/>
+        <p:nvPr/>
+      </p:nvGrpSpPr>
+      <p:grpSpPr>
+        <a:xfrm>
+          <a:off x="0" y="0"/>
+          <a:ext cx="0" cy="0"/>
+          <a:chOff x="0" y="0"/>
+          <a:chExt cx="0" cy="0"/>
+        </a:xfrm>
+      </p:grpSpPr>
+      <p:sp>
+        <p:nvSpPr>
+          <p:cNvPr id="2" name="Title 1">
+            <a:extLst>
+              <a:ext uri="{FF2B5EF4-FFF2-40B4-BE49-F238E27FC236}">
+                <a16:creationId xmlns:a16="http://schemas.microsoft.com/office/drawing/2014/main" id="{D57368E2-574B-4807-F706-1A266A714729}"/>
+              </a:ext>
+            </a:extLst>
+          </p:cNvPr>
+          <p:cNvSpPr>
+            <a:spLocks noGrp="1"/>
+          </p:cNvSpPr>
+          <p:nvPr>
+            <p:ph type="title"/>
+          </p:nvPr>
+        </p:nvSpPr>
+        <p:spPr>
+          <a:xfrm>
+            <a:off x="301487" y="-241162"/>
+            <a:ext cx="10515600" cy="1325563"/>
+          </a:xfrm>
+        </p:spPr>
+        <p:txBody>
+          <a:bodyPr/>
+          <a:lstStyle/>
+          <a:p>
+            <a:r>
+              <a:rPr lang="en-IT" dirty="0"/>
+              <a:t>Componenti cartesiane della deformazione</a:t>
+            </a:r>
+          </a:p>
+        </p:txBody>
+      </p:sp>
+      <p:pic>
+        <p:nvPicPr>
+          <p:cNvPr id="13" name="Picture 12" descr="\documentclass{article}&#10;\usepackage{amsmath,bbm,mathrsfs}&#10;\setlength\parindent{0em}&#10;\usepackage{geometry}&#10;\geometry{textwidth=10cm}&#10;\setlength\parskip{1em}&#10;\pagestyle{empty}&#10;\begin{document}&#10;&#10;Possiamo generalizzare le nostre definizioni di dilatazione e scorrimento considerando un elemento infinitesimo in un punto di un corpo, Fig. 2-4a. &#10;&#10;Poiché le dimensioni dell'elemento sono molto piccole, dopo la deformazione i suoi spigoli rimangono dei segmenti, Fig. 2-4b. &#10;&#10;Indichiamo con $\varepsilon_x$, $\varepsilon_y$ e $\varepsilon_z$ le dilatazioni degli spigoli, e con &#10;$$&#10;\frac{\pi}{2}-\gamma_{x y} \quad \frac{\pi}{2}-\gamma_{y z} \quad \frac{\pi}{2}-\gamma_{x z}&#10;$$&#10;gli scorrimenti tra gli spigoli dell'elemento.&#10;&#10;&#10;\end{document}" title="IguanaTex Bitmap Display">
+            <a:extLst>
+              <a:ext uri="{FF2B5EF4-FFF2-40B4-BE49-F238E27FC236}">
+                <a16:creationId xmlns:a16="http://schemas.microsoft.com/office/drawing/2014/main" id="{5AA350B7-F0E4-E938-9B8F-C56938EEA04C}"/>
+              </a:ext>
+            </a:extLst>
+          </p:cNvPr>
+          <p:cNvPicPr>
+            <a:picLocks noChangeAspect="1"/>
+          </p:cNvPicPr>
+          <p:nvPr>
+            <p:custDataLst>
+              <p:tags r:id="rId1"/>
+            </p:custDataLst>
+          </p:nvPr>
+        </p:nvPicPr>
+        <p:blipFill>
+          <a:blip r:embed="rId3"/>
+          <a:stretch>
+            <a:fillRect/>
+          </a:stretch>
+        </p:blipFill>
+        <p:spPr>
+          <a:xfrm>
+            <a:off x="4178855" y="1084401"/>
+            <a:ext cx="7188200" cy="3530600"/>
+          </a:xfrm>
+          <a:prstGeom prst="rect">
+            <a:avLst/>
+          </a:prstGeom>
+        </p:spPr>
+      </p:pic>
+      <p:pic>
+        <p:nvPicPr>
+          <p:cNvPr id="9" name="Picture 8">
+            <a:extLst>
+              <a:ext uri="{FF2B5EF4-FFF2-40B4-BE49-F238E27FC236}">
+                <a16:creationId xmlns:a16="http://schemas.microsoft.com/office/drawing/2014/main" id="{B21B2B7F-726F-F52B-EEF2-AD544E121209}"/>
+              </a:ext>
+            </a:extLst>
+          </p:cNvPr>
+          <p:cNvPicPr>
+            <a:picLocks noChangeAspect="1"/>
+          </p:cNvPicPr>
+          <p:nvPr/>
+        </p:nvPicPr>
+        <p:blipFill>
+          <a:blip r:embed="rId4"/>
+          <a:stretch>
+            <a:fillRect/>
+          </a:stretch>
+        </p:blipFill>
+        <p:spPr>
+          <a:xfrm>
+            <a:off x="301487" y="725556"/>
+            <a:ext cx="2365279" cy="5695122"/>
+          </a:xfrm>
+          <a:prstGeom prst="rect">
+            <a:avLst/>
+          </a:prstGeom>
+        </p:spPr>
+      </p:pic>
+    </p:spTree>
+    <p:extLst>
+      <p:ext uri="{BB962C8B-B14F-4D97-AF65-F5344CB8AC3E}">
+        <p14:creationId xmlns:p14="http://schemas.microsoft.com/office/powerpoint/2010/main" val="3370570667"/>
+      </p:ext>
+    </p:extLst>
+  </p:cSld>
+  <p:clrMapOvr>
+    <a:masterClrMapping/>
+  </p:clrMapOvr>
+</p:sld>
+</file>
+
+<file path=ppt/slides/slide5.xml><?xml version="1.0" encoding="utf-8"?>
+<p:sld xmlns:a="http://schemas.openxmlformats.org/drawingml/2006/main" xmlns:r="http://schemas.openxmlformats.org/officeDocument/2006/relationships" xmlns:p="http://schemas.openxmlformats.org/presentationml/2006/main">
+  <p:cSld>
+    <p:spTree>
+      <p:nvGrpSpPr>
+        <p:cNvPr id="1" name=""/>
+        <p:cNvGrpSpPr/>
+        <p:nvPr/>
+      </p:nvGrpSpPr>
+      <p:grpSpPr>
+        <a:xfrm>
+          <a:off x="0" y="0"/>
+          <a:ext cx="0" cy="0"/>
+          <a:chOff x="0" y="0"/>
+          <a:chExt cx="0" cy="0"/>
+        </a:xfrm>
+      </p:grpSpPr>
+      <p:sp>
+        <p:nvSpPr>
+          <p:cNvPr id="2" name="Title 1">
+            <a:extLst>
+              <a:ext uri="{FF2B5EF4-FFF2-40B4-BE49-F238E27FC236}">
+                <a16:creationId xmlns:a16="http://schemas.microsoft.com/office/drawing/2014/main" id="{2F349CF9-7935-289B-20CA-AE8F62E592BA}"/>
+              </a:ext>
+            </a:extLst>
+          </p:cNvPr>
+          <p:cNvSpPr>
+            <a:spLocks noGrp="1"/>
+          </p:cNvSpPr>
+          <p:nvPr>
+            <p:ph type="title"/>
+          </p:nvPr>
+        </p:nvSpPr>
+        <p:spPr/>
+        <p:txBody>
+          <a:bodyPr/>
+          <a:lstStyle/>
+          <a:p>
+            <a:r>
+              <a:rPr lang="en-IT" dirty="0"/>
+              <a:t>Tensore della deformazione</a:t>
+            </a:r>
+          </a:p>
+        </p:txBody>
+      </p:sp>
+      <p:sp>
+        <p:nvSpPr>
+          <p:cNvPr id="3" name="Content Placeholder 2">
+            <a:extLst>
+              <a:ext uri="{FF2B5EF4-FFF2-40B4-BE49-F238E27FC236}">
+                <a16:creationId xmlns:a16="http://schemas.microsoft.com/office/drawing/2014/main" id="{5F15B9A3-0B3C-AA38-43CD-34261D5C1B88}"/>
+              </a:ext>
+            </a:extLst>
+          </p:cNvPr>
+          <p:cNvSpPr>
+            <a:spLocks noGrp="1"/>
+          </p:cNvSpPr>
+          <p:nvPr>
+            <p:ph idx="1"/>
+          </p:nvPr>
+        </p:nvSpPr>
+        <p:spPr/>
+        <p:txBody>
+          <a:bodyPr/>
+          <a:lstStyle/>
+          <a:p>
+            <a:r>
+              <a:rPr lang="en-IT" dirty="0"/>
+              <a:t>Cosi’ come nel caso delle componenti della tensione, tramite le componenti della deformazione e’ possibile costruire un tensore, detto “tensore della deformazione”</a:t>
+            </a:r>
+          </a:p>
+          <a:p>
+            <a:endParaRPr lang="en-IT" dirty="0"/>
+          </a:p>
+          <a:p>
+            <a:endParaRPr lang="en-IT" dirty="0"/>
+          </a:p>
+          <a:p>
+            <a:endParaRPr lang="en-IT" dirty="0"/>
+          </a:p>
+          <a:p>
+            <a:r>
+              <a:rPr lang="en-IT" dirty="0"/>
+              <a:t>Cosi’ come il tensore  dello sforzo, anche il tensore della deformazione e’ simmetrico.</a:t>
+            </a:r>
+          </a:p>
+        </p:txBody>
+      </p:sp>
+      <p:pic>
+        <p:nvPicPr>
+          <p:cNvPr id="5" name="Picture 4" descr="\documentclass{article}&#10;\usepackage{amsmath,bbm,mathrsfs}&#10;\setlength\parindent{0em}&#10;\usepackage{geometry}&#10;\geometry{textwidth=10cm}&#10;\setlength\parskip{1em}&#10;\pagestyle{empty}&#10;\begin{document}&#10;&#10;$$&#10;\mathbf{E}=\left[\begin{array}{ccc}&#10;\varepsilon_x &amp; \frac{1}{2} \gamma_{y x} &amp; \frac{1}{2} \gamma_{z x} \\&#10;\frac{1}{2} \gamma_{x y} &amp; \varepsilon_y &amp; \frac{1}{2} \gamma_{z y} \\&#10;\frac{1}{2} \gamma_{x z} &amp; \frac{1}{2} \gamma_{y z} &amp; \varepsilon_z&#10;\end{array}\right]&#10;$$&#10;&#10;\end{document}" title="IguanaTex Bitmap Display">
+            <a:extLst>
+              <a:ext uri="{FF2B5EF4-FFF2-40B4-BE49-F238E27FC236}">
+                <a16:creationId xmlns:a16="http://schemas.microsoft.com/office/drawing/2014/main" id="{7F4CDA81-C1C6-F70E-776D-1D368215A249}"/>
+              </a:ext>
+            </a:extLst>
+          </p:cNvPr>
+          <p:cNvPicPr>
+            <a:picLocks noChangeAspect="1"/>
+          </p:cNvPicPr>
+          <p:nvPr>
+            <p:custDataLst>
+              <p:tags r:id="rId1"/>
+            </p:custDataLst>
+          </p:nvPr>
+        </p:nvPicPr>
+        <p:blipFill>
+          <a:blip r:embed="rId3"/>
+          <a:stretch>
+            <a:fillRect/>
+          </a:stretch>
+        </p:blipFill>
+        <p:spPr>
+          <a:xfrm>
+            <a:off x="3345069" y="3170583"/>
+            <a:ext cx="4373880" cy="1280160"/>
+          </a:xfrm>
+          <a:prstGeom prst="rect">
+            <a:avLst/>
+          </a:prstGeom>
+        </p:spPr>
+      </p:pic>
+    </p:spTree>
+    <p:extLst>
+      <p:ext uri="{BB962C8B-B14F-4D97-AF65-F5344CB8AC3E}">
+        <p14:creationId xmlns:p14="http://schemas.microsoft.com/office/powerpoint/2010/main" val="3635755287"/>
+      </p:ext>
+    </p:extLst>
+  </p:cSld>
+  <p:clrMapOvr>
+    <a:masterClrMapping/>
+  </p:clrMapOvr>
+</p:sld>
+</file>
+
+<file path=ppt/tags/tag1.xml><?xml version="1.0" encoding="utf-8"?>
+<p:tagLst xmlns:a="http://schemas.openxmlformats.org/drawingml/2006/main" xmlns:r="http://schemas.openxmlformats.org/officeDocument/2006/relationships" xmlns:p="http://schemas.openxmlformats.org/presentationml/2006/main">
+  <p:tag name="OUTPUTDPI" val="1200"/>
+  <p:tag name="ORIGINALHEIGHT" val="189"/>
+  <p:tag name="ORIGINALWIDTH" val="283"/>
+  <p:tag name="OUTPUTTYPE" val="PDF"/>
+  <p:tag name="IGUANATEXVERSION" val="160"/>
+  <p:tag name="LATEXADDIN" val="\documentclass{article}&#10;\usepackage{amsmath,bbm,mathrsfs}&#10;\setlength\parindent{0em}&#10;\usepackage{geometry}&#10;\geometry{textwidth=10cm}&#10;\setlength\parskip{1em}&#10;\pagestyle{empty}&#10;\begin{document}&#10;&#10;&#10;&#10;Se un carico assiale \( P \) viene applicato alla barra nella Fig. 2-1, cambierà la lunghezza \( L_0 \) della barra in una lunghezza \( L \). &#10;&#10;Definiremo la dilatazione media \( \epsilon \) (epsilon) della barra come il cambiamento nella sua lunghezza \( \delta \) (delta \( = L - L_0 \)) diviso per la sua lunghezza originale, ovvero&#10;\[&#10;\epsilon_{\text{avg}} = \frac{L - L_0}{L_0}&#10;\]&#10;La dilatazione in un punto di un corpo di forma arbitraria è definita in modo simile. &#10;&#10;Consideriamo segmento infinitesimo \( \Delta s \). Dopo la deformazione diventa \( \Delta s' \), e quindi il cambiamento nella sua lunghezza è \( \Delta s' - \Delta s \). Man mano che \( \Delta s \rightarrow 0 \), al limite la deformazione normale nel punto è quindi&#10;&#10;&#10;\end{document}"/>
+  <p:tag name="IGUANATEXSIZE" val="20"/>
+  <p:tag name="IGUANATEXCURSOR" val="193"/>
+  <p:tag name="TRANSPARENCY" val="True"/>
+  <p:tag name="LATEXENGINEID" val="0"/>
+  <p:tag name="TEMPFOLDER" val="/private/var/folders/bl/qr6kzqqj6dq26b3546l3vykm0000gn/T/com.microsoft.Powerpoint/TemporaryItems/"/>
+  <p:tag name="LATEXFORMHEIGHT" val="426,65"/>
+  <p:tag name="LATEXFORMWIDTH" val="513,35"/>
+  <p:tag name="LATEXFORMWRAP" val="True"/>
+  <p:tag name="BITMAPVECTOR" val="0"/>
+</p:tagLst>
+</file>
+
+<file path=ppt/tags/tag2.xml><?xml version="1.0" encoding="utf-8"?>
+<p:tagLst xmlns:a="http://schemas.openxmlformats.org/drawingml/2006/main" xmlns:r="http://schemas.openxmlformats.org/officeDocument/2006/relationships" xmlns:p="http://schemas.openxmlformats.org/presentationml/2006/main">
+  <p:tag name="OUTPUTDPI" val="1200"/>
+  <p:tag name="ORIGINALHEIGHT" val="62"/>
+  <p:tag name="ORIGINALWIDTH" val="283"/>
+  <p:tag name="OUTPUTTYPE" val="PDF"/>
+  <p:tag name="IGUANATEXVERSION" val="160"/>
+  <p:tag name="LATEXADDIN" val="\documentclass{article}&#10;\usepackage{amsmath,bbm,mathrsfs}&#10;\setlength\parindent{0em}&#10;\usepackage{geometry}&#10;\geometry{textwidth=10cm}&#10;\setlength\parskip{1em}&#10;\pagestyle{empty}&#10;\begin{document}&#10;&#10;&#10;$$&#10;\epsilon=\lim_{{\Delta s \rightarrow 0}} \frac{{\Delta s' - \Delta s}}{\Delta s}&#10;$$&#10;In entrambi i casi, \( \epsilon \) (o \( \epsilon_{\text{media}} \)) rappresenta un cambiamento di lunghezza per unità di lunghezza. È positivo quando la linea iniziale si allunga e negativo quando la linea si contrae.&#10;&#10;\end{document}"/>
+  <p:tag name="IGUANATEXSIZE" val="20"/>
+  <p:tag name="IGUANATEXCURSOR" val="498"/>
+  <p:tag name="TRANSPARENCY" val="True"/>
+  <p:tag name="LATEXENGINEID" val="0"/>
+  <p:tag name="TEMPFOLDER" val="/private/var/folders/bl/qr6kzqqj6dq26b3546l3vykm0000gn/T/com.microsoft.Powerpoint/TemporaryItems/"/>
+  <p:tag name="LATEXFORMHEIGHT" val="426,65"/>
+  <p:tag name="LATEXFORMWIDTH" val="513,35"/>
+  <p:tag name="LATEXFORMWRAP" val="True"/>
+  <p:tag name="BITMAPVECTOR" val="0"/>
+</p:tagLst>
+</file>
+
+<file path=ppt/tags/tag3.xml><?xml version="1.0" encoding="utf-8"?>
+<p:tagLst xmlns:a="http://schemas.openxmlformats.org/drawingml/2006/main" xmlns:r="http://schemas.openxmlformats.org/officeDocument/2006/relationships" xmlns:p="http://schemas.openxmlformats.org/presentationml/2006/main">
+  <p:tag name="OUTPUTDPI" val="1200"/>
+  <p:tag name="ORIGINALHEIGHT" val="93"/>
+  <p:tag name="ORIGINALWIDTH" val="425"/>
+  <p:tag name="OUTPUTTYPE" val="PDF"/>
+  <p:tag name="IGUANATEXVERSION" val="160"/>
+  <p:tag name="LATEXADDIN" val="\documentclass{article}&#10;\usepackage{amsmath,bbm,mathrsfs}&#10;\setlength\parindent{0em}&#10;\usepackage{geometry}&#10;\geometry{textwidth=15cm}&#10;\setlength\parskip{1em}&#10;\pagestyle{empty}&#10;\begin{document}&#10;&#10;&#10;Ad esempio, considerando i due segmenti materiali inizialmente perpendicolari in un punto nel blocco mostrato nella Fig. 2-3a, se un carico applicato provoca la deformazione del blocco come mostrato nella Fig. 2-3b, in modo che l'angolo tra i segmenti di linea diventi \( \theta \), allora lo scorrimento in quel punto diventa&#10;\[&#10;\gamma = \frac{\pi}{2} - \theta&#10;\]&#10;Si noti che se \( \theta \) è minore di \( \frac{\pi}{2} \), Fig. 2-3c, allora lo scorrimento è positivo, mentre se \( \theta \) è maggiore di \( \frac{\pi}{2} \), allora lo scorrimento e è negativo.&#10;&#10;&#10;\end{document}"/>
+  <p:tag name="IGUANATEXSIZE" val="20"/>
+  <p:tag name="IGUANATEXCURSOR" val="192"/>
+  <p:tag name="TRANSPARENCY" val="True"/>
+  <p:tag name="LATEXENGINEID" val="0"/>
+  <p:tag name="TEMPFOLDER" val="/private/var/folders/bl/qr6kzqqj6dq26b3546l3vykm0000gn/T/com.microsoft.Powerpoint/TemporaryItems/"/>
+  <p:tag name="LATEXFORMHEIGHT" val="624"/>
+  <p:tag name="LATEXFORMWIDTH" val="815"/>
+  <p:tag name="LATEXFORMWRAP" val="True"/>
+  <p:tag name="BITMAPVECTOR" val="0"/>
+</p:tagLst>
+</file>
+
+<file path=ppt/tags/tag4.xml><?xml version="1.0" encoding="utf-8"?>
+<p:tagLst xmlns:a="http://schemas.openxmlformats.org/drawingml/2006/main" xmlns:r="http://schemas.openxmlformats.org/officeDocument/2006/relationships" xmlns:p="http://schemas.openxmlformats.org/presentationml/2006/main">
+  <p:tag name="OUTPUTDPI" val="1200"/>
+  <p:tag name="ORIGINALHEIGHT" val="113"/>
+  <p:tag name="ORIGINALWIDTH" val="283"/>
+  <p:tag name="OUTPUTTYPE" val="PDF"/>
+  <p:tag name="IGUANATEXVERSION" val="160"/>
+  <p:tag name="LATEXADDIN" val="\documentclass{article}&#10;\usepackage{amsmath,bbm,mathrsfs}&#10;\setlength\parindent{0em}&#10;\usepackage{geometry}&#10;\geometry{textwidth=10cm}&#10;\setlength\parskip{1em}&#10;\pagestyle{empty}&#10;\begin{document}&#10;&#10;Le deformazioni non solo causano l'allungamento o la contrazione di segmenti materiali, ma ne modificano anche la direzione relativa. &#10;&#10;Se selezioniamo due segmenti di linea inizialmente perpendicolari tra loro, allora il cambiamento dell'angolo che si verifica tra di essi è definito come scorrimento. &#10;&#10;Questo angolo è denotato da \( \gamma \) (gamma) ed è sempre misurato in radianti (rad), che sono adimensionali. &#10;&#10;&#10;\end{document}"/>
+  <p:tag name="IGUANATEXSIZE" val="20"/>
+  <p:tag name="IGUANATEXCURSOR" val="128"/>
+  <p:tag name="TRANSPARENCY" val="True"/>
+  <p:tag name="LATEXENGINEID" val="0"/>
+  <p:tag name="TEMPFOLDER" val="/private/var/folders/bl/qr6kzqqj6dq26b3546l3vykm0000gn/T/com.microsoft.Powerpoint/TemporaryItems/"/>
+  <p:tag name="LATEXFORMHEIGHT" val="624"/>
+  <p:tag name="LATEXFORMWIDTH" val="815"/>
+  <p:tag name="LATEXFORMWRAP" val="True"/>
+  <p:tag name="BITMAPVECTOR" val="0"/>
+</p:tagLst>
+</file>
+
+<file path=ppt/tags/tag5.xml><?xml version="1.0" encoding="utf-8"?>
+<p:tagLst xmlns:a="http://schemas.openxmlformats.org/drawingml/2006/main" xmlns:r="http://schemas.openxmlformats.org/officeDocument/2006/relationships" xmlns:p="http://schemas.openxmlformats.org/presentationml/2006/main">
+  <p:tag name="OUTPUTDPI" val="1200"/>
+  <p:tag name="ORIGINALHEIGHT" val="139"/>
+  <p:tag name="ORIGINALWIDTH" val="283"/>
+  <p:tag name="OUTPUTTYPE" val="PDF"/>
+  <p:tag name="IGUANATEXVERSION" val="160"/>
+  <p:tag name="LATEXADDIN" val="\documentclass{article}&#10;\usepackage{amsmath,bbm,mathrsfs}&#10;\setlength\parindent{0em}&#10;\usepackage{geometry}&#10;\geometry{textwidth=10cm}&#10;\setlength\parskip{1em}&#10;\pagestyle{empty}&#10;\begin{document}&#10;&#10;Possiamo generalizzare le nostre definizioni di dilatazione e scorrimento considerando un elemento infinitesimo in un punto di un corpo, Fig. 2-4a. &#10;&#10;Poiché le dimensioni dell'elemento sono molto piccole, dopo la deformazione i suoi spigoli rimangono dei segmenti, Fig. 2-4b. &#10;&#10;Indichiamo con $\varepsilon_x$, $\varepsilon_y$ e $\varepsilon_z$ le dilatazioni degli spigoli, e con &#10;$$&#10;\frac{\pi}{2}-\gamma_{x y} \quad \frac{\pi}{2}-\gamma_{y z} \quad \frac{\pi}{2}-\gamma_{x z}&#10;$$&#10;gli scorrimenti tra gli spigoli dell'elemento.&#10;&#10;&#10;\end{document}"/>
+  <p:tag name="IGUANATEXSIZE" val="20"/>
+  <p:tag name="IGUANATEXCURSOR" val="193"/>
+  <p:tag name="TRANSPARENCY" val="True"/>
+  <p:tag name="LATEXENGINEID" val="0"/>
+  <p:tag name="TEMPFOLDER" val="/private/var/folders/bl/qr6kzqqj6dq26b3546l3vykm0000gn/T/com.microsoft.Powerpoint/TemporaryItems/"/>
+  <p:tag name="LATEXFORMHEIGHT" val="499"/>
+  <p:tag name="LATEXFORMWIDTH" val="786"/>
+  <p:tag name="LATEXFORMWRAP" val="True"/>
+  <p:tag name="BITMAPVECTOR" val="0"/>
+</p:tagLst>
+</file>
+
+<file path=ppt/tags/tag6.xml><?xml version="1.0" encoding="utf-8"?>
+<p:tagLst xmlns:a="http://schemas.openxmlformats.org/drawingml/2006/main" xmlns:r="http://schemas.openxmlformats.org/officeDocument/2006/relationships" xmlns:p="http://schemas.openxmlformats.org/presentationml/2006/main">
+  <p:tag name="OUTPUTDPI" val="1200"/>
+  <p:tag name="ORIGINALHEIGHT" val="36"/>
+  <p:tag name="ORIGINALWIDTH" val="123"/>
+  <p:tag name="OUTPUTTYPE" val="PDF"/>
+  <p:tag name="IGUANATEXVERSION" val="160"/>
+  <p:tag name="LATEXADDIN" val="\documentclass{article}&#10;\usepackage{amsmath,bbm,mathrsfs}&#10;\setlength\parindent{0em}&#10;\usepackage{geometry}&#10;\geometry{textwidth=10cm}&#10;\setlength\parskip{1em}&#10;\pagestyle{empty}&#10;\begin{document}&#10;&#10;$$&#10;\mathbf{E}=\left[\begin{array}{ccc}&#10;\varepsilon_x &amp; \frac{1}{2} \gamma_{y x} &amp; \frac{1}{2} \gamma_{z x} \\&#10;\frac{1}{2} \gamma_{x y} &amp; \varepsilon_y &amp; \frac{1}{2} \gamma_{z y} \\&#10;\frac{1}{2} \gamma_{x z} &amp; \frac{1}{2} \gamma_{y z} &amp; \varepsilon_z&#10;\end{array}\right]&#10;$$&#10;&#10;\end{document}"/>
+  <p:tag name="IGUANATEXSIZE" val="28"/>
+  <p:tag name="IGUANATEXCURSOR" val="462"/>
+  <p:tag name="TRANSPARENCY" val="True"/>
+  <p:tag name="LATEXENGINEID" val="0"/>
+  <p:tag name="TEMPFOLDER" val="/private/var/folders/bl/qr6kzqqj6dq26b3546l3vykm0000gn/T/com.microsoft.Powerpoint/TemporaryItems/"/>
+  <p:tag name="LATEXFORMHEIGHT" val="426,65"/>
+  <p:tag name="LATEXFORMWIDTH" val="513,35"/>
+  <p:tag name="LATEXFORMWRAP" val="True"/>
+  <p:tag name="BITMAPVECTOR" val="0"/>
+</p:tagLst>
 </file>
 
 <file path=ppt/theme/theme1.xml><?xml version="1.0" encoding="utf-8"?>

--- a/lezioni/deformazione.pptx
+++ b/lezioni/deformazione.pptx
@@ -265,7 +265,7 @@
           <a:p>
             <a:fld id="{60419E8F-5D52-8341-9CBF-C9BAB05A1701}" type="datetimeFigureOut">
               <a:rPr lang="en-IT" smtClean="0"/>
-              <a:t>02/09/23</a:t>
+              <a:t>04/09/23</a:t>
             </a:fld>
             <a:endParaRPr lang="en-IT"/>
           </a:p>
@@ -465,7 +465,7 @@
           <a:p>
             <a:fld id="{60419E8F-5D52-8341-9CBF-C9BAB05A1701}" type="datetimeFigureOut">
               <a:rPr lang="en-IT" smtClean="0"/>
-              <a:t>02/09/23</a:t>
+              <a:t>04/09/23</a:t>
             </a:fld>
             <a:endParaRPr lang="en-IT"/>
           </a:p>
@@ -675,7 +675,7 @@
           <a:p>
             <a:fld id="{60419E8F-5D52-8341-9CBF-C9BAB05A1701}" type="datetimeFigureOut">
               <a:rPr lang="en-IT" smtClean="0"/>
-              <a:t>02/09/23</a:t>
+              <a:t>04/09/23</a:t>
             </a:fld>
             <a:endParaRPr lang="en-IT"/>
           </a:p>
@@ -875,7 +875,7 @@
           <a:p>
             <a:fld id="{60419E8F-5D52-8341-9CBF-C9BAB05A1701}" type="datetimeFigureOut">
               <a:rPr lang="en-IT" smtClean="0"/>
-              <a:t>02/09/23</a:t>
+              <a:t>04/09/23</a:t>
             </a:fld>
             <a:endParaRPr lang="en-IT"/>
           </a:p>
@@ -1151,7 +1151,7 @@
           <a:p>
             <a:fld id="{60419E8F-5D52-8341-9CBF-C9BAB05A1701}" type="datetimeFigureOut">
               <a:rPr lang="en-IT" smtClean="0"/>
-              <a:t>02/09/23</a:t>
+              <a:t>04/09/23</a:t>
             </a:fld>
             <a:endParaRPr lang="en-IT"/>
           </a:p>
@@ -1419,7 +1419,7 @@
           <a:p>
             <a:fld id="{60419E8F-5D52-8341-9CBF-C9BAB05A1701}" type="datetimeFigureOut">
               <a:rPr lang="en-IT" smtClean="0"/>
-              <a:t>02/09/23</a:t>
+              <a:t>04/09/23</a:t>
             </a:fld>
             <a:endParaRPr lang="en-IT"/>
           </a:p>
@@ -1834,7 +1834,7 @@
           <a:p>
             <a:fld id="{60419E8F-5D52-8341-9CBF-C9BAB05A1701}" type="datetimeFigureOut">
               <a:rPr lang="en-IT" smtClean="0"/>
-              <a:t>02/09/23</a:t>
+              <a:t>04/09/23</a:t>
             </a:fld>
             <a:endParaRPr lang="en-IT"/>
           </a:p>
@@ -1976,7 +1976,7 @@
           <a:p>
             <a:fld id="{60419E8F-5D52-8341-9CBF-C9BAB05A1701}" type="datetimeFigureOut">
               <a:rPr lang="en-IT" smtClean="0"/>
-              <a:t>02/09/23</a:t>
+              <a:t>04/09/23</a:t>
             </a:fld>
             <a:endParaRPr lang="en-IT"/>
           </a:p>
@@ -2089,7 +2089,7 @@
           <a:p>
             <a:fld id="{60419E8F-5D52-8341-9CBF-C9BAB05A1701}" type="datetimeFigureOut">
               <a:rPr lang="en-IT" smtClean="0"/>
-              <a:t>02/09/23</a:t>
+              <a:t>04/09/23</a:t>
             </a:fld>
             <a:endParaRPr lang="en-IT"/>
           </a:p>
@@ -2402,7 +2402,7 @@
           <a:p>
             <a:fld id="{60419E8F-5D52-8341-9CBF-C9BAB05A1701}" type="datetimeFigureOut">
               <a:rPr lang="en-IT" smtClean="0"/>
-              <a:t>02/09/23</a:t>
+              <a:t>04/09/23</a:t>
             </a:fld>
             <a:endParaRPr lang="en-IT"/>
           </a:p>
@@ -2691,7 +2691,7 @@
           <a:p>
             <a:fld id="{60419E8F-5D52-8341-9CBF-C9BAB05A1701}" type="datetimeFigureOut">
               <a:rPr lang="en-IT" smtClean="0"/>
-              <a:t>02/09/23</a:t>
+              <a:t>04/09/23</a:t>
             </a:fld>
             <a:endParaRPr lang="en-IT"/>
           </a:p>
@@ -2934,7 +2934,7 @@
           <a:p>
             <a:fld id="{60419E8F-5D52-8341-9CBF-C9BAB05A1701}" type="datetimeFigureOut">
               <a:rPr lang="en-IT" smtClean="0"/>
-              <a:t>02/09/23</a:t>
+              <a:t>04/09/23</a:t>
             </a:fld>
             <a:endParaRPr lang="en-IT"/>
           </a:p>
@@ -3406,10 +3406,7 @@
             </a:r>
           </a:p>
           <a:p>
-            <a:r>
-              <a:rPr lang="en-IT" dirty="0"/>
-              <a:t>Esercizi:</a:t>
-            </a:r>
+            <a:endParaRPr lang="en-IT" dirty="0"/>
           </a:p>
         </p:txBody>
       </p:sp>
@@ -3723,8 +3720,8 @@
         </p:blipFill>
         <p:spPr>
           <a:xfrm>
-            <a:off x="5083138" y="133243"/>
-            <a:ext cx="7063052" cy="3106914"/>
+            <a:off x="5794512" y="429374"/>
+            <a:ext cx="5576425" cy="2452973"/>
           </a:xfrm>
           <a:prstGeom prst="rect">
             <a:avLst/>
@@ -3757,8 +3754,8 @@
         </p:blipFill>
         <p:spPr>
           <a:xfrm>
-            <a:off x="476150" y="945254"/>
-            <a:ext cx="4606989" cy="1839539"/>
+            <a:off x="476150" y="945253"/>
+            <a:ext cx="5273329" cy="2175633"/>
           </a:xfrm>
           <a:prstGeom prst="rect">
             <a:avLst/>
